--- a/Unityゼミテーマ用プレゼン.pptx
+++ b/Unityゼミテーマ用プレゼン.pptx
@@ -111,6 +111,11 @@
       </a:defRPr>
     </a:lvl9pPr>
   </p:defaultTextStyle>
+  <p:extLst>
+    <p:ext uri="{EFAFB233-063F-42B5-8137-9DF3F51BA10A}">
+      <p15:sldGuideLst xmlns:p15="http://schemas.microsoft.com/office/powerpoint/2012/main"/>
+    </p:ext>
+  </p:extLst>
 </p:presentation>
 </file>
 
@@ -836,7 +841,7 @@
           <a:p>
             <a:fld id="{4636B6F2-0DAC-4DA7-BDD2-7A1266D49781}" type="datetimeFigureOut">
               <a:rPr kumimoji="1" lang="ja-JP" altLang="en-US" smtClean="0"/>
-              <a:t>2018/4/4</a:t>
+              <a:t>2018/4/6</a:t>
             </a:fld>
             <a:endParaRPr kumimoji="1" lang="ja-JP" altLang="en-US"/>
           </a:p>
@@ -1087,7 +1092,7 @@
           <a:p>
             <a:fld id="{4636B6F2-0DAC-4DA7-BDD2-7A1266D49781}" type="datetimeFigureOut">
               <a:rPr kumimoji="1" lang="ja-JP" altLang="en-US" smtClean="0"/>
-              <a:t>2018/4/4</a:t>
+              <a:t>2018/4/6</a:t>
             </a:fld>
             <a:endParaRPr kumimoji="1" lang="ja-JP" altLang="en-US"/>
           </a:p>
@@ -1401,7 +1406,7 @@
           <a:p>
             <a:fld id="{4636B6F2-0DAC-4DA7-BDD2-7A1266D49781}" type="datetimeFigureOut">
               <a:rPr kumimoji="1" lang="ja-JP" altLang="en-US" smtClean="0"/>
-              <a:t>2018/4/4</a:t>
+              <a:t>2018/4/6</a:t>
             </a:fld>
             <a:endParaRPr kumimoji="1" lang="ja-JP" altLang="en-US"/>
           </a:p>
@@ -1742,7 +1747,7 @@
           <a:p>
             <a:fld id="{4636B6F2-0DAC-4DA7-BDD2-7A1266D49781}" type="datetimeFigureOut">
               <a:rPr kumimoji="1" lang="ja-JP" altLang="en-US" smtClean="0"/>
-              <a:t>2018/4/4</a:t>
+              <a:t>2018/4/6</a:t>
             </a:fld>
             <a:endParaRPr kumimoji="1" lang="ja-JP" altLang="en-US"/>
           </a:p>
@@ -2056,7 +2061,7 @@
           <a:p>
             <a:fld id="{4636B6F2-0DAC-4DA7-BDD2-7A1266D49781}" type="datetimeFigureOut">
               <a:rPr kumimoji="1" lang="ja-JP" altLang="en-US" smtClean="0"/>
-              <a:t>2018/4/4</a:t>
+              <a:t>2018/4/6</a:t>
             </a:fld>
             <a:endParaRPr kumimoji="1" lang="ja-JP" altLang="en-US"/>
           </a:p>
@@ -2449,7 +2454,7 @@
           <a:p>
             <a:fld id="{4636B6F2-0DAC-4DA7-BDD2-7A1266D49781}" type="datetimeFigureOut">
               <a:rPr kumimoji="1" lang="ja-JP" altLang="en-US" smtClean="0"/>
-              <a:t>2018/4/4</a:t>
+              <a:t>2018/4/6</a:t>
             </a:fld>
             <a:endParaRPr kumimoji="1" lang="ja-JP" altLang="en-US"/>
           </a:p>
@@ -2651,7 +2656,7 @@
           <a:p>
             <a:fld id="{4636B6F2-0DAC-4DA7-BDD2-7A1266D49781}" type="datetimeFigureOut">
               <a:rPr kumimoji="1" lang="ja-JP" altLang="en-US" smtClean="0"/>
-              <a:t>2018/4/4</a:t>
+              <a:t>2018/4/6</a:t>
             </a:fld>
             <a:endParaRPr kumimoji="1" lang="ja-JP" altLang="en-US"/>
           </a:p>
@@ -2863,7 +2868,7 @@
           <a:p>
             <a:fld id="{4636B6F2-0DAC-4DA7-BDD2-7A1266D49781}" type="datetimeFigureOut">
               <a:rPr kumimoji="1" lang="ja-JP" altLang="en-US" smtClean="0"/>
-              <a:t>2018/4/4</a:t>
+              <a:t>2018/4/6</a:t>
             </a:fld>
             <a:endParaRPr kumimoji="1" lang="ja-JP" altLang="en-US"/>
           </a:p>
@@ -3071,7 +3076,7 @@
           <a:p>
             <a:fld id="{4636B6F2-0DAC-4DA7-BDD2-7A1266D49781}" type="datetimeFigureOut">
               <a:rPr kumimoji="1" lang="ja-JP" altLang="en-US" smtClean="0"/>
-              <a:t>2018/4/4</a:t>
+              <a:t>2018/4/6</a:t>
             </a:fld>
             <a:endParaRPr kumimoji="1" lang="ja-JP" altLang="en-US"/>
           </a:p>
@@ -3318,7 +3323,7 @@
           <a:p>
             <a:fld id="{4636B6F2-0DAC-4DA7-BDD2-7A1266D49781}" type="datetimeFigureOut">
               <a:rPr kumimoji="1" lang="ja-JP" altLang="en-US" smtClean="0"/>
-              <a:t>2018/4/4</a:t>
+              <a:t>2018/4/6</a:t>
             </a:fld>
             <a:endParaRPr kumimoji="1" lang="ja-JP" altLang="en-US"/>
           </a:p>
@@ -3614,7 +3619,7 @@
           <a:p>
             <a:fld id="{4636B6F2-0DAC-4DA7-BDD2-7A1266D49781}" type="datetimeFigureOut">
               <a:rPr kumimoji="1" lang="ja-JP" altLang="en-US" smtClean="0"/>
-              <a:t>2018/4/4</a:t>
+              <a:t>2018/4/6</a:t>
             </a:fld>
             <a:endParaRPr kumimoji="1" lang="ja-JP" altLang="en-US"/>
           </a:p>
@@ -4052,7 +4057,7 @@
           <a:p>
             <a:fld id="{4636B6F2-0DAC-4DA7-BDD2-7A1266D49781}" type="datetimeFigureOut">
               <a:rPr kumimoji="1" lang="ja-JP" altLang="en-US" smtClean="0"/>
-              <a:t>2018/4/4</a:t>
+              <a:t>2018/4/6</a:t>
             </a:fld>
             <a:endParaRPr kumimoji="1" lang="ja-JP" altLang="en-US"/>
           </a:p>
@@ -4175,7 +4180,7 @@
           <a:p>
             <a:fld id="{4636B6F2-0DAC-4DA7-BDD2-7A1266D49781}" type="datetimeFigureOut">
               <a:rPr kumimoji="1" lang="ja-JP" altLang="en-US" smtClean="0"/>
-              <a:t>2018/4/4</a:t>
+              <a:t>2018/4/6</a:t>
             </a:fld>
             <a:endParaRPr kumimoji="1" lang="ja-JP" altLang="en-US"/>
           </a:p>
@@ -4270,7 +4275,7 @@
           <a:p>
             <a:fld id="{4636B6F2-0DAC-4DA7-BDD2-7A1266D49781}" type="datetimeFigureOut">
               <a:rPr kumimoji="1" lang="ja-JP" altLang="en-US" smtClean="0"/>
-              <a:t>2018/4/4</a:t>
+              <a:t>2018/4/6</a:t>
             </a:fld>
             <a:endParaRPr kumimoji="1" lang="ja-JP" altLang="en-US"/>
           </a:p>
@@ -4557,7 +4562,7 @@
           <a:p>
             <a:fld id="{4636B6F2-0DAC-4DA7-BDD2-7A1266D49781}" type="datetimeFigureOut">
               <a:rPr kumimoji="1" lang="ja-JP" altLang="en-US" smtClean="0"/>
-              <a:t>2018/4/4</a:t>
+              <a:t>2018/4/6</a:t>
             </a:fld>
             <a:endParaRPr kumimoji="1" lang="ja-JP" altLang="en-US"/>
           </a:p>
@@ -4820,7 +4825,7 @@
           <a:p>
             <a:fld id="{4636B6F2-0DAC-4DA7-BDD2-7A1266D49781}" type="datetimeFigureOut">
               <a:rPr kumimoji="1" lang="ja-JP" altLang="en-US" smtClean="0"/>
-              <a:t>2018/4/4</a:t>
+              <a:t>2018/4/6</a:t>
             </a:fld>
             <a:endParaRPr kumimoji="1" lang="ja-JP" altLang="en-US"/>
           </a:p>
@@ -5595,7 +5600,7 @@
           <a:p>
             <a:fld id="{4636B6F2-0DAC-4DA7-BDD2-7A1266D49781}" type="datetimeFigureOut">
               <a:rPr kumimoji="1" lang="ja-JP" altLang="en-US" smtClean="0"/>
-              <a:t>2018/4/4</a:t>
+              <a:t>2018/4/6</a:t>
             </a:fld>
             <a:endParaRPr kumimoji="1" lang="ja-JP" altLang="en-US"/>
           </a:p>
@@ -7469,7 +7474,7 @@
         <p:spPr>
           <a:xfrm>
             <a:off x="891223" y="1645920"/>
-            <a:ext cx="8069897" cy="2246769"/>
+            <a:ext cx="8069897" cy="3108543"/>
           </a:xfrm>
           <a:prstGeom prst="rect">
             <a:avLst/>
@@ -7544,6 +7549,24 @@
             <a:r>
               <a:rPr lang="ja-JP" altLang="en-US" sz="2800" dirty="0" smtClean="0"/>
               <a:t>解除</a:t>
+            </a:r>
+            <a:endParaRPr lang="en-US" altLang="ja-JP" sz="2800" dirty="0" smtClean="0"/>
+          </a:p>
+          <a:p>
+            <a:r>
+              <a:rPr lang="ja-JP" altLang="en-US" sz="2800" dirty="0" smtClean="0"/>
+              <a:t>・足は岩に固定させず、タッチポイントに触れて</a:t>
+            </a:r>
+            <a:endParaRPr lang="en-US" altLang="ja-JP" sz="2800" dirty="0" smtClean="0"/>
+          </a:p>
+          <a:p>
+            <a:r>
+              <a:rPr lang="ja-JP" altLang="en-US" sz="2800" dirty="0"/>
+              <a:t>　</a:t>
+            </a:r>
+            <a:r>
+              <a:rPr lang="ja-JP" altLang="en-US" sz="2800" dirty="0" smtClean="0"/>
+              <a:t>加算する役割のみを与える</a:t>
             </a:r>
             <a:endParaRPr lang="en-US" altLang="ja-JP" sz="2800" dirty="0" smtClean="0"/>
           </a:p>
